--- a/report/进展 6.4.pptx
+++ b/report/进展 6.4.pptx
@@ -7,9 +7,13 @@
   <p:sldIdLst>
     <p:sldId id="256" r:id="rId2"/>
     <p:sldId id="257" r:id="rId3"/>
-    <p:sldId id="258" r:id="rId4"/>
-    <p:sldId id="259" r:id="rId5"/>
-    <p:sldId id="260" r:id="rId6"/>
+    <p:sldId id="262" r:id="rId4"/>
+    <p:sldId id="263" r:id="rId5"/>
+    <p:sldId id="264" r:id="rId6"/>
+    <p:sldId id="258" r:id="rId7"/>
+    <p:sldId id="259" r:id="rId8"/>
+    <p:sldId id="260" r:id="rId9"/>
+    <p:sldId id="261" r:id="rId10"/>
   </p:sldIdLst>
   <p:sldSz cx="12192000" cy="6858000"/>
   <p:notesSz cx="6858000" cy="9144000"/>
@@ -108,6 +112,11 @@
       </a:defRPr>
     </a:lvl9pPr>
   </p:defaultTextStyle>
+  <p:extLst>
+    <p:ext uri="{EFAFB233-063F-42B5-8137-9DF3F51BA10A}">
+      <p15:sldGuideLst xmlns:p15="http://schemas.microsoft.com/office/powerpoint/2012/main"/>
+    </p:ext>
+  </p:extLst>
 </p:presentation>
 </file>
 
@@ -3494,7 +3503,7 @@
             </a:r>
             <a:r>
               <a:rPr lang="zh-CN" altLang="en-US" dirty="0"/>
-              <a:t>的时候，虽然需要</a:t>
+              <a:t>的时候，虽然不用锁但需要关抢占。</a:t>
             </a:r>
           </a:p>
         </p:txBody>
@@ -3534,7 +3543,7 @@
           <p:cNvPr id="2" name="标题 1">
             <a:extLst>
               <a:ext uri="{FF2B5EF4-FFF2-40B4-BE49-F238E27FC236}">
-                <a16:creationId xmlns:a16="http://schemas.microsoft.com/office/drawing/2014/main" id="{7D771015-4E0D-0E9E-2F26-8D124DB98906}"/>
+                <a16:creationId xmlns:a16="http://schemas.microsoft.com/office/drawing/2014/main" id="{671875B6-E915-C64D-8D79-53E62E550C14}"/>
               </a:ext>
             </a:extLst>
           </p:cNvPr>
@@ -3552,7 +3561,7 @@
           <a:p>
             <a:r>
               <a:rPr lang="zh-CN" altLang="en-US" dirty="0"/>
-              <a:t>测例</a:t>
+              <a:t>一个时钟中断来的时候会如何进行调度</a:t>
             </a:r>
           </a:p>
         </p:txBody>
@@ -3562,7 +3571,7 @@
           <p:cNvPr id="3" name="内容占位符 2">
             <a:extLst>
               <a:ext uri="{FF2B5EF4-FFF2-40B4-BE49-F238E27FC236}">
-                <a16:creationId xmlns:a16="http://schemas.microsoft.com/office/drawing/2014/main" id="{337F1833-C85D-0B84-2D0A-7CFC5DD24D3F}"/>
+                <a16:creationId xmlns:a16="http://schemas.microsoft.com/office/drawing/2014/main" id="{E44A8A7B-D4BE-F725-ED59-8FEF659603D7}"/>
               </a:ext>
             </a:extLst>
           </p:cNvPr>
@@ -3575,43 +3584,121 @@
         </p:nvSpPr>
         <p:spPr/>
         <p:txBody>
-          <a:bodyPr/>
-          <a:lstStyle/>
-          <a:p>
-            <a:r>
-              <a:rPr lang="zh-CN" altLang="en-US" dirty="0"/>
-              <a:t>调整了 </a:t>
-            </a:r>
-            <a:r>
-              <a:rPr lang="en-US" altLang="zh-CN" dirty="0"/>
-              <a:t>unbalance </a:t>
-            </a:r>
-            <a:r>
-              <a:rPr lang="zh-CN" altLang="en-US" dirty="0"/>
-              <a:t>测例的实现。</a:t>
+          <a:bodyPr>
+            <a:normAutofit/>
+          </a:bodyPr>
+          <a:lstStyle/>
+          <a:p>
+            <a:r>
+              <a:rPr lang="zh-CN" altLang="en-US" dirty="0"/>
+              <a:t>时钟中断后：</a:t>
             </a:r>
             <a:endParaRPr lang="en-US" altLang="zh-CN" dirty="0"/>
           </a:p>
           <a:p>
             <a:r>
-              <a:rPr lang="zh-CN" altLang="en-US" dirty="0"/>
-              <a:t>这个测例包含了长短不一的任务负载。</a:t>
-            </a:r>
-            <a:endParaRPr lang="en-US" altLang="zh-CN" dirty="0"/>
-          </a:p>
-          <a:p>
-            <a:r>
-              <a:rPr lang="zh-CN" altLang="en-US" dirty="0"/>
-              <a:t>调整后包含了一个运行时间较久的任务，这样分到这个任务的核会跑得慢，从而体现线程窃取的作用。</a:t>
-            </a:r>
-            <a:endParaRPr lang="en-US" altLang="zh-CN" dirty="0"/>
+              <a:rPr lang="en-US" altLang="zh-CN" dirty="0" err="1"/>
+              <a:t>on_timer_tick</a:t>
+            </a:r>
+            <a:r>
+              <a:rPr lang="en-US" altLang="zh-CN" dirty="0"/>
+              <a:t>(</a:t>
+            </a:r>
+            <a:r>
+              <a:rPr lang="zh-CN" altLang="en-US" dirty="0"/>
+              <a:t>这个时候关抢占</a:t>
+            </a:r>
+            <a:r>
+              <a:rPr lang="en-US" altLang="zh-CN" dirty="0"/>
+              <a:t>) -&gt; </a:t>
+            </a:r>
+            <a:r>
+              <a:rPr lang="en-US" altLang="zh-CN" dirty="0" err="1"/>
+              <a:t>scheduler_timer_tick</a:t>
+            </a:r>
+            <a:r>
+              <a:rPr lang="en-US" altLang="zh-CN" dirty="0"/>
+              <a:t> -&gt; </a:t>
+            </a:r>
+            <a:r>
+              <a:rPr lang="en-US" altLang="zh-CN" dirty="0" err="1"/>
+              <a:t>task_tick</a:t>
+            </a:r>
+            <a:r>
+              <a:rPr lang="en-US" altLang="zh-CN" dirty="0"/>
+              <a:t> -&gt; </a:t>
+            </a:r>
+            <a:r>
+              <a:rPr lang="en-US" altLang="zh-CN" dirty="0" err="1"/>
+              <a:t>set_preempt_pending</a:t>
+            </a:r>
+            <a:r>
+              <a:rPr lang="en-US" altLang="zh-CN" dirty="0"/>
+              <a:t> -&gt; </a:t>
+            </a:r>
+            <a:r>
+              <a:rPr lang="en-US" altLang="zh-CN" dirty="0" err="1"/>
+              <a:t>need_resched</a:t>
+            </a:r>
+            <a:r>
+              <a:rPr lang="en-US" altLang="zh-CN" dirty="0"/>
+              <a:t> True -&gt; </a:t>
+            </a:r>
+            <a:r>
+              <a:rPr lang="en-US" altLang="zh-CN" dirty="0" err="1"/>
+              <a:t>on_timer_tick</a:t>
+            </a:r>
+            <a:r>
+              <a:rPr lang="zh-CN" altLang="en-US" dirty="0"/>
+              <a:t>退出（开抢占）</a:t>
+            </a:r>
+            <a:r>
+              <a:rPr lang="en-US" altLang="zh-CN" dirty="0"/>
+              <a:t>-&gt; </a:t>
+            </a:r>
+            <a:r>
+              <a:rPr lang="zh-CN" altLang="en-US" dirty="0"/>
+              <a:t>触发 </a:t>
+            </a:r>
+            <a:r>
+              <a:rPr lang="en-US" altLang="zh-CN" dirty="0" err="1"/>
+              <a:t>current_check_preempt_pending</a:t>
+            </a:r>
+            <a:r>
+              <a:rPr lang="zh-CN" altLang="en-US" dirty="0"/>
+              <a:t>（因为 </a:t>
+            </a:r>
+            <a:r>
+              <a:rPr lang="en-US" altLang="zh-CN" dirty="0" err="1"/>
+              <a:t>need_resched</a:t>
+            </a:r>
+            <a:r>
+              <a:rPr lang="en-US" altLang="zh-CN" dirty="0"/>
+              <a:t> = True) -&gt;  </a:t>
+            </a:r>
+            <a:r>
+              <a:rPr lang="en-US" altLang="zh-CN" dirty="0" err="1"/>
+              <a:t>resched</a:t>
+            </a:r>
+            <a:r>
+              <a:rPr lang="zh-CN" altLang="en-US" dirty="0"/>
+              <a:t>（这里在修复</a:t>
+            </a:r>
+            <a:r>
+              <a:rPr lang="en-US" altLang="zh-CN" dirty="0"/>
+              <a:t>bug</a:t>
+            </a:r>
+            <a:r>
+              <a:rPr lang="zh-CN" altLang="en-US" dirty="0"/>
+              <a:t>之后还是需要关抢占）</a:t>
+            </a:r>
           </a:p>
         </p:txBody>
       </p:sp>
     </p:spTree>
     <p:extLst>
       <p:ext uri="{BB962C8B-B14F-4D97-AF65-F5344CB8AC3E}">
-        <p14:creationId xmlns:p14="http://schemas.microsoft.com/office/powerpoint/2010/main" val="1194882565"/>
+        <p14:creationId xmlns:p14="http://schemas.microsoft.com/office/powerpoint/2010/main" val="3044913497"/>
       </p:ext>
     </p:extLst>
   </p:cSld>
@@ -3643,7 +3730,7 @@
           <p:cNvPr id="2" name="标题 1">
             <a:extLst>
               <a:ext uri="{FF2B5EF4-FFF2-40B4-BE49-F238E27FC236}">
-                <a16:creationId xmlns:a16="http://schemas.microsoft.com/office/drawing/2014/main" id="{15B86F6D-1EDF-9D64-1D21-619754C895F1}"/>
+                <a16:creationId xmlns:a16="http://schemas.microsoft.com/office/drawing/2014/main" id="{BF939A9B-FCE1-C1D2-6C18-CDAF88E427D9}"/>
               </a:ext>
             </a:extLst>
           </p:cNvPr>
@@ -3660,12 +3747,8 @@
           <a:lstStyle/>
           <a:p>
             <a:r>
-              <a:rPr lang="en-US" altLang="zh-CN" dirty="0"/>
-              <a:t>Unbalance </a:t>
-            </a:r>
-            <a:r>
-              <a:rPr lang="zh-CN" altLang="en-US" dirty="0"/>
-              <a:t>测例的测试结果</a:t>
+              <a:rPr lang="zh-CN" altLang="en-US" dirty="0"/>
+              <a:t>一个时钟中断来的时候会如何进行调度</a:t>
             </a:r>
           </a:p>
         </p:txBody>
@@ -3675,7 +3758,7 @@
           <p:cNvPr id="3" name="内容占位符 2">
             <a:extLst>
               <a:ext uri="{FF2B5EF4-FFF2-40B4-BE49-F238E27FC236}">
-                <a16:creationId xmlns:a16="http://schemas.microsoft.com/office/drawing/2014/main" id="{265D3DEA-538B-D1CD-5069-F6EBD40093BD}"/>
+                <a16:creationId xmlns:a16="http://schemas.microsoft.com/office/drawing/2014/main" id="{0A5A4DD3-DCB9-41D2-CD2F-87C4CE6F6476}"/>
               </a:ext>
             </a:extLst>
           </p:cNvPr>
@@ -3688,74 +3771,168 @@
         </p:nvSpPr>
         <p:spPr/>
         <p:txBody>
-          <a:bodyPr/>
-          <a:lstStyle/>
-          <a:p>
-            <a:r>
-              <a:rPr lang="zh-CN" altLang="en-US" dirty="0"/>
-              <a:t>测 </a:t>
-            </a:r>
-            <a:r>
-              <a:rPr lang="en-US" altLang="zh-CN" dirty="0"/>
-              <a:t>10 </a:t>
-            </a:r>
-            <a:r>
-              <a:rPr lang="zh-CN" altLang="en-US" dirty="0"/>
-              <a:t>次取平均。</a:t>
-            </a:r>
-            <a:endParaRPr lang="en-US" altLang="zh-CN" dirty="0"/>
-          </a:p>
-          <a:p>
-            <a:r>
-              <a:rPr lang="zh-CN" altLang="en-US" dirty="0"/>
-              <a:t>多队列，不开线程窃取：平均 </a:t>
-            </a:r>
-            <a:r>
-              <a:rPr lang="en-US" altLang="zh-CN" dirty="0"/>
-              <a:t>4020ms</a:t>
-            </a:r>
-          </a:p>
-          <a:p>
-            <a:r>
-              <a:rPr lang="zh-CN" altLang="en-US" dirty="0"/>
-              <a:t>多队列，开线程窃取：平均 </a:t>
-            </a:r>
-            <a:r>
-              <a:rPr lang="en-US" altLang="zh-CN" dirty="0"/>
-              <a:t>3603ms</a:t>
-            </a:r>
-          </a:p>
-          <a:p>
-            <a:r>
-              <a:rPr lang="zh-CN" altLang="en-US" dirty="0"/>
-              <a:t>单队列：平均 </a:t>
-            </a:r>
-            <a:r>
-              <a:rPr lang="en-US" altLang="zh-CN" dirty="0"/>
-              <a:t>3657ms</a:t>
-            </a:r>
-          </a:p>
-          <a:p>
-            <a:r>
-              <a:rPr lang="zh-CN" altLang="en-US" dirty="0"/>
-              <a:t>可以看到目前实现的多队列在仅 </a:t>
-            </a:r>
-            <a:r>
-              <a:rPr lang="en-US" altLang="zh-CN" dirty="0"/>
-              <a:t>4 </a:t>
-            </a:r>
-            <a:r>
-              <a:rPr lang="zh-CN" altLang="en-US" dirty="0"/>
-              <a:t>核的机器上已经体现出一定的性能优势。</a:t>
-            </a:r>
-            <a:endParaRPr lang="en-US" altLang="zh-CN" dirty="0"/>
+          <a:bodyPr>
+            <a:normAutofit/>
+          </a:bodyPr>
+          <a:lstStyle/>
+          <a:p>
+            <a:r>
+              <a:rPr lang="zh-CN" altLang="en-US"/>
+              <a:t>如果 </a:t>
+            </a:r>
+            <a:r>
+              <a:rPr lang="en-US" altLang="zh-CN" dirty="0"/>
+              <a:t>preempt=true -&gt; </a:t>
+            </a:r>
+            <a:r>
+              <a:rPr lang="en-US" altLang="zh-CN" dirty="0" err="1"/>
+              <a:t>resched_inner</a:t>
+            </a:r>
+            <a:r>
+              <a:rPr lang="en-US" altLang="zh-CN" dirty="0"/>
+              <a:t> -&gt; </a:t>
+            </a:r>
+            <a:r>
+              <a:rPr lang="en-US" altLang="zh-CN" dirty="0" err="1"/>
+              <a:t>switch_to</a:t>
+            </a:r>
+            <a:r>
+              <a:rPr lang="en-US" altLang="zh-CN" dirty="0"/>
+              <a:t> -&gt; </a:t>
+            </a:r>
+            <a:r>
+              <a:rPr lang="zh-CN" altLang="en-US" dirty="0"/>
+              <a:t>切到下一个线程，此时抢占信息是只关于下一个线程的 </a:t>
+            </a:r>
+            <a:r>
+              <a:rPr lang="en-US" altLang="zh-CN" dirty="0"/>
+              <a:t>-&gt; ... -&gt; </a:t>
+            </a:r>
+            <a:r>
+              <a:rPr lang="zh-CN" altLang="en-US" dirty="0"/>
+              <a:t>切回到这个线程到 </a:t>
+            </a:r>
+            <a:r>
+              <a:rPr lang="en-US" altLang="zh-CN" dirty="0"/>
+              <a:t>```(*</a:t>
+            </a:r>
+            <a:r>
+              <a:rPr lang="en-US" altLang="zh-CN" dirty="0" err="1"/>
+              <a:t>prev_ctx_ptr</a:t>
+            </a:r>
+            <a:r>
+              <a:rPr lang="en-US" altLang="zh-CN" dirty="0"/>
+              <a:t>).</a:t>
+            </a:r>
+            <a:r>
+              <a:rPr lang="en-US" altLang="zh-CN" dirty="0" err="1"/>
+              <a:t>switch_to</a:t>
+            </a:r>
+            <a:r>
+              <a:rPr lang="en-US" altLang="zh-CN" dirty="0"/>
+              <a:t>(&amp;*</a:t>
+            </a:r>
+            <a:r>
+              <a:rPr lang="en-US" altLang="zh-CN" dirty="0" err="1"/>
+              <a:t>next_ctx_ptr</a:t>
+            </a:r>
+            <a:r>
+              <a:rPr lang="en-US" altLang="zh-CN" dirty="0"/>
+              <a:t>)``` </a:t>
+            </a:r>
+            <a:r>
+              <a:rPr lang="zh-CN" altLang="en-US" dirty="0"/>
+              <a:t>的 </a:t>
+            </a:r>
+            <a:r>
+              <a:rPr lang="en-US" altLang="zh-CN" dirty="0"/>
+              <a:t>pc+4 </a:t>
+            </a:r>
+            <a:r>
+              <a:rPr lang="zh-CN" altLang="en-US" dirty="0"/>
+              <a:t>执行 </a:t>
+            </a:r>
+            <a:r>
+              <a:rPr lang="en-US" altLang="zh-CN" dirty="0"/>
+              <a:t>-&gt; </a:t>
+            </a:r>
+            <a:r>
+              <a:rPr lang="en-US" altLang="zh-CN" dirty="0" err="1"/>
+              <a:t>resched</a:t>
+            </a:r>
+            <a:r>
+              <a:rPr lang="en-US" altLang="zh-CN" dirty="0"/>
+              <a:t> </a:t>
+            </a:r>
+            <a:r>
+              <a:rPr lang="zh-CN" altLang="en-US" dirty="0"/>
+              <a:t>结束（这里 关抢占的上下文结束，会开抢占）</a:t>
+            </a:r>
+            <a:r>
+              <a:rPr lang="en-US" altLang="zh-CN" dirty="0"/>
+              <a:t>-&gt; </a:t>
+            </a:r>
+            <a:r>
+              <a:rPr lang="zh-CN" altLang="en-US" dirty="0"/>
+              <a:t>再触发一次 </a:t>
+            </a:r>
+            <a:r>
+              <a:rPr lang="en-US" altLang="zh-CN" dirty="0" err="1"/>
+              <a:t>current_check_preempt_pending</a:t>
+            </a:r>
+            <a:r>
+              <a:rPr lang="en-US" altLang="zh-CN" dirty="0"/>
+              <a:t> -&gt; (</a:t>
+            </a:r>
+            <a:r>
+              <a:rPr lang="zh-CN" altLang="en-US" dirty="0"/>
+              <a:t>由于在 </a:t>
+            </a:r>
+            <a:r>
+              <a:rPr lang="en-US" altLang="zh-CN" dirty="0" err="1"/>
+              <a:t>switch_to</a:t>
+            </a:r>
+            <a:r>
+              <a:rPr lang="en-US" altLang="zh-CN" dirty="0"/>
+              <a:t> </a:t>
+            </a:r>
+            <a:r>
+              <a:rPr lang="zh-CN" altLang="en-US" dirty="0"/>
+              <a:t>中设置了 </a:t>
+            </a:r>
+            <a:r>
+              <a:rPr lang="en-US" altLang="zh-CN" dirty="0" err="1"/>
+              <a:t>need_resched</a:t>
+            </a:r>
+            <a:r>
+              <a:rPr lang="en-US" altLang="zh-CN" dirty="0"/>
+              <a:t> = false) </a:t>
+            </a:r>
+            <a:r>
+              <a:rPr lang="zh-CN" altLang="en-US" dirty="0"/>
+              <a:t>不会继续 </a:t>
+            </a:r>
+            <a:r>
+              <a:rPr lang="en-US" altLang="zh-CN" dirty="0" err="1"/>
+              <a:t>resched</a:t>
+            </a:r>
+            <a:r>
+              <a:rPr lang="zh-CN" altLang="en-US" dirty="0"/>
+              <a:t>，结束。</a:t>
+            </a:r>
+          </a:p>
+          <a:p>
+            <a:endParaRPr lang="zh-CN" altLang="en-US" dirty="0"/>
+          </a:p>
+          <a:p>
+            <a:endParaRPr lang="zh-CN" altLang="en-US" dirty="0"/>
           </a:p>
         </p:txBody>
       </p:sp>
     </p:spTree>
     <p:extLst>
       <p:ext uri="{BB962C8B-B14F-4D97-AF65-F5344CB8AC3E}">
-        <p14:creationId xmlns:p14="http://schemas.microsoft.com/office/powerpoint/2010/main" val="1166681761"/>
+        <p14:creationId xmlns:p14="http://schemas.microsoft.com/office/powerpoint/2010/main" val="3755552969"/>
       </p:ext>
     </p:extLst>
   </p:cSld>
@@ -3787,6 +3964,365 @@
           <p:cNvPr id="2" name="标题 1">
             <a:extLst>
               <a:ext uri="{FF2B5EF4-FFF2-40B4-BE49-F238E27FC236}">
+                <a16:creationId xmlns:a16="http://schemas.microsoft.com/office/drawing/2014/main" id="{178003F1-2DED-6AA0-E2E2-FC2911AB6ACD}"/>
+              </a:ext>
+            </a:extLst>
+          </p:cNvPr>
+          <p:cNvSpPr>
+            <a:spLocks noGrp="1"/>
+          </p:cNvSpPr>
+          <p:nvPr>
+            <p:ph type="title"/>
+          </p:nvPr>
+        </p:nvSpPr>
+        <p:spPr/>
+        <p:txBody>
+          <a:bodyPr/>
+          <a:lstStyle/>
+          <a:p>
+            <a:r>
+              <a:rPr lang="zh-CN" altLang="en-US" dirty="0"/>
+              <a:t>一个时钟中断来的时候会如何进行调度</a:t>
+            </a:r>
+          </a:p>
+        </p:txBody>
+      </p:sp>
+      <p:sp>
+        <p:nvSpPr>
+          <p:cNvPr id="3" name="内容占位符 2">
+            <a:extLst>
+              <a:ext uri="{FF2B5EF4-FFF2-40B4-BE49-F238E27FC236}">
+                <a16:creationId xmlns:a16="http://schemas.microsoft.com/office/drawing/2014/main" id="{19A53921-BA3C-F216-9A35-C214646D64E5}"/>
+              </a:ext>
+            </a:extLst>
+          </p:cNvPr>
+          <p:cNvSpPr>
+            <a:spLocks noGrp="1"/>
+          </p:cNvSpPr>
+          <p:nvPr>
+            <p:ph idx="1"/>
+          </p:nvPr>
+        </p:nvSpPr>
+        <p:spPr/>
+        <p:txBody>
+          <a:bodyPr/>
+          <a:lstStyle/>
+          <a:p>
+            <a:r>
+              <a:rPr lang="en-US" altLang="zh-CN" dirty="0" err="1"/>
+              <a:t>on_timer_tick</a:t>
+            </a:r>
+            <a:r>
+              <a:rPr lang="en-US" altLang="zh-CN" dirty="0"/>
+              <a:t> </a:t>
+            </a:r>
+            <a:r>
+              <a:rPr lang="zh-CN" altLang="en-US" dirty="0"/>
+              <a:t>的开关中断：</a:t>
+            </a:r>
+            <a:r>
+              <a:rPr lang="en-US" altLang="zh-CN" dirty="0" err="1"/>
+              <a:t>axruntime</a:t>
+            </a:r>
+            <a:r>
+              <a:rPr lang="en-US" altLang="zh-CN" dirty="0"/>
+              <a:t>/trap/... </a:t>
+            </a:r>
+            <a:r>
+              <a:rPr lang="zh-CN" altLang="en-US" dirty="0"/>
+              <a:t>前后会有一个开关中断。</a:t>
+            </a:r>
+          </a:p>
+        </p:txBody>
+      </p:sp>
+    </p:spTree>
+    <p:extLst>
+      <p:ext uri="{BB962C8B-B14F-4D97-AF65-F5344CB8AC3E}">
+        <p14:creationId xmlns:p14="http://schemas.microsoft.com/office/powerpoint/2010/main" val="2519318419"/>
+      </p:ext>
+    </p:extLst>
+  </p:cSld>
+  <p:clrMapOvr>
+    <a:masterClrMapping/>
+  </p:clrMapOvr>
+</p:sld>
+</file>
+
+<file path=ppt/slides/slide6.xml><?xml version="1.0" encoding="utf-8"?>
+<p:sld xmlns:a="http://schemas.openxmlformats.org/drawingml/2006/main" xmlns:r="http://schemas.openxmlformats.org/officeDocument/2006/relationships" xmlns:p="http://schemas.openxmlformats.org/presentationml/2006/main">
+  <p:cSld>
+    <p:spTree>
+      <p:nvGrpSpPr>
+        <p:cNvPr id="1" name=""/>
+        <p:cNvGrpSpPr/>
+        <p:nvPr/>
+      </p:nvGrpSpPr>
+      <p:grpSpPr>
+        <a:xfrm>
+          <a:off x="0" y="0"/>
+          <a:ext cx="0" cy="0"/>
+          <a:chOff x="0" y="0"/>
+          <a:chExt cx="0" cy="0"/>
+        </a:xfrm>
+      </p:grpSpPr>
+      <p:sp>
+        <p:nvSpPr>
+          <p:cNvPr id="2" name="标题 1">
+            <a:extLst>
+              <a:ext uri="{FF2B5EF4-FFF2-40B4-BE49-F238E27FC236}">
+                <a16:creationId xmlns:a16="http://schemas.microsoft.com/office/drawing/2014/main" id="{7D771015-4E0D-0E9E-2F26-8D124DB98906}"/>
+              </a:ext>
+            </a:extLst>
+          </p:cNvPr>
+          <p:cNvSpPr>
+            <a:spLocks noGrp="1"/>
+          </p:cNvSpPr>
+          <p:nvPr>
+            <p:ph type="title"/>
+          </p:nvPr>
+        </p:nvSpPr>
+        <p:spPr/>
+        <p:txBody>
+          <a:bodyPr/>
+          <a:lstStyle/>
+          <a:p>
+            <a:r>
+              <a:rPr lang="zh-CN" altLang="en-US" dirty="0"/>
+              <a:t>测例</a:t>
+            </a:r>
+          </a:p>
+        </p:txBody>
+      </p:sp>
+      <p:sp>
+        <p:nvSpPr>
+          <p:cNvPr id="3" name="内容占位符 2">
+            <a:extLst>
+              <a:ext uri="{FF2B5EF4-FFF2-40B4-BE49-F238E27FC236}">
+                <a16:creationId xmlns:a16="http://schemas.microsoft.com/office/drawing/2014/main" id="{337F1833-C85D-0B84-2D0A-7CFC5DD24D3F}"/>
+              </a:ext>
+            </a:extLst>
+          </p:cNvPr>
+          <p:cNvSpPr>
+            <a:spLocks noGrp="1"/>
+          </p:cNvSpPr>
+          <p:nvPr>
+            <p:ph idx="1"/>
+          </p:nvPr>
+        </p:nvSpPr>
+        <p:spPr/>
+        <p:txBody>
+          <a:bodyPr/>
+          <a:lstStyle/>
+          <a:p>
+            <a:r>
+              <a:rPr lang="zh-CN" altLang="en-US" dirty="0"/>
+              <a:t>调整了 </a:t>
+            </a:r>
+            <a:r>
+              <a:rPr lang="en-US" altLang="zh-CN" dirty="0"/>
+              <a:t>unbalance </a:t>
+            </a:r>
+            <a:r>
+              <a:rPr lang="zh-CN" altLang="en-US" dirty="0"/>
+              <a:t>测例的实现。</a:t>
+            </a:r>
+            <a:endParaRPr lang="en-US" altLang="zh-CN" dirty="0"/>
+          </a:p>
+          <a:p>
+            <a:r>
+              <a:rPr lang="zh-CN" altLang="en-US" dirty="0"/>
+              <a:t>这个测例包含了长短不一的任务负载。</a:t>
+            </a:r>
+            <a:endParaRPr lang="en-US" altLang="zh-CN" dirty="0"/>
+          </a:p>
+          <a:p>
+            <a:r>
+              <a:rPr lang="zh-CN" altLang="en-US" dirty="0"/>
+              <a:t>调整后包含了一个运行时间较久的任务，这样分到这个任务的核会跑得慢，从而体现线程窃取的作用。</a:t>
+            </a:r>
+            <a:endParaRPr lang="en-US" altLang="zh-CN" dirty="0"/>
+          </a:p>
+        </p:txBody>
+      </p:sp>
+    </p:spTree>
+    <p:extLst>
+      <p:ext uri="{BB962C8B-B14F-4D97-AF65-F5344CB8AC3E}">
+        <p14:creationId xmlns:p14="http://schemas.microsoft.com/office/powerpoint/2010/main" val="1194882565"/>
+      </p:ext>
+    </p:extLst>
+  </p:cSld>
+  <p:clrMapOvr>
+    <a:masterClrMapping/>
+  </p:clrMapOvr>
+</p:sld>
+</file>
+
+<file path=ppt/slides/slide7.xml><?xml version="1.0" encoding="utf-8"?>
+<p:sld xmlns:a="http://schemas.openxmlformats.org/drawingml/2006/main" xmlns:r="http://schemas.openxmlformats.org/officeDocument/2006/relationships" xmlns:p="http://schemas.openxmlformats.org/presentationml/2006/main">
+  <p:cSld>
+    <p:spTree>
+      <p:nvGrpSpPr>
+        <p:cNvPr id="1" name=""/>
+        <p:cNvGrpSpPr/>
+        <p:nvPr/>
+      </p:nvGrpSpPr>
+      <p:grpSpPr>
+        <a:xfrm>
+          <a:off x="0" y="0"/>
+          <a:ext cx="0" cy="0"/>
+          <a:chOff x="0" y="0"/>
+          <a:chExt cx="0" cy="0"/>
+        </a:xfrm>
+      </p:grpSpPr>
+      <p:sp>
+        <p:nvSpPr>
+          <p:cNvPr id="2" name="标题 1">
+            <a:extLst>
+              <a:ext uri="{FF2B5EF4-FFF2-40B4-BE49-F238E27FC236}">
+                <a16:creationId xmlns:a16="http://schemas.microsoft.com/office/drawing/2014/main" id="{15B86F6D-1EDF-9D64-1D21-619754C895F1}"/>
+              </a:ext>
+            </a:extLst>
+          </p:cNvPr>
+          <p:cNvSpPr>
+            <a:spLocks noGrp="1"/>
+          </p:cNvSpPr>
+          <p:nvPr>
+            <p:ph type="title"/>
+          </p:nvPr>
+        </p:nvSpPr>
+        <p:spPr/>
+        <p:txBody>
+          <a:bodyPr/>
+          <a:lstStyle/>
+          <a:p>
+            <a:r>
+              <a:rPr lang="en-US" altLang="zh-CN" dirty="0"/>
+              <a:t>Unbalance </a:t>
+            </a:r>
+            <a:r>
+              <a:rPr lang="zh-CN" altLang="en-US" dirty="0"/>
+              <a:t>测例的测试结果</a:t>
+            </a:r>
+          </a:p>
+        </p:txBody>
+      </p:sp>
+      <p:sp>
+        <p:nvSpPr>
+          <p:cNvPr id="3" name="内容占位符 2">
+            <a:extLst>
+              <a:ext uri="{FF2B5EF4-FFF2-40B4-BE49-F238E27FC236}">
+                <a16:creationId xmlns:a16="http://schemas.microsoft.com/office/drawing/2014/main" id="{265D3DEA-538B-D1CD-5069-F6EBD40093BD}"/>
+              </a:ext>
+            </a:extLst>
+          </p:cNvPr>
+          <p:cNvSpPr>
+            <a:spLocks noGrp="1"/>
+          </p:cNvSpPr>
+          <p:nvPr>
+            <p:ph idx="1"/>
+          </p:nvPr>
+        </p:nvSpPr>
+        <p:spPr/>
+        <p:txBody>
+          <a:bodyPr/>
+          <a:lstStyle/>
+          <a:p>
+            <a:r>
+              <a:rPr lang="zh-CN" altLang="en-US" dirty="0"/>
+              <a:t>测 </a:t>
+            </a:r>
+            <a:r>
+              <a:rPr lang="en-US" altLang="zh-CN" dirty="0"/>
+              <a:t>10 </a:t>
+            </a:r>
+            <a:r>
+              <a:rPr lang="zh-CN" altLang="en-US" dirty="0"/>
+              <a:t>次取平均。</a:t>
+            </a:r>
+            <a:endParaRPr lang="en-US" altLang="zh-CN" dirty="0"/>
+          </a:p>
+          <a:p>
+            <a:r>
+              <a:rPr lang="zh-CN" altLang="en-US" dirty="0"/>
+              <a:t>多队列，不开线程窃取：平均 </a:t>
+            </a:r>
+            <a:r>
+              <a:rPr lang="en-US" altLang="zh-CN" dirty="0"/>
+              <a:t>4020ms</a:t>
+            </a:r>
+          </a:p>
+          <a:p>
+            <a:r>
+              <a:rPr lang="zh-CN" altLang="en-US" dirty="0"/>
+              <a:t>多队列，开线程窃取：平均 </a:t>
+            </a:r>
+            <a:r>
+              <a:rPr lang="en-US" altLang="zh-CN" dirty="0"/>
+              <a:t>3603ms</a:t>
+            </a:r>
+          </a:p>
+          <a:p>
+            <a:r>
+              <a:rPr lang="zh-CN" altLang="en-US" dirty="0"/>
+              <a:t>单队列：平均 </a:t>
+            </a:r>
+            <a:r>
+              <a:rPr lang="en-US" altLang="zh-CN" dirty="0"/>
+              <a:t>3657ms</a:t>
+            </a:r>
+          </a:p>
+          <a:p>
+            <a:r>
+              <a:rPr lang="zh-CN" altLang="en-US" dirty="0"/>
+              <a:t>可以看到目前实现的多队列在仅 </a:t>
+            </a:r>
+            <a:r>
+              <a:rPr lang="en-US" altLang="zh-CN" dirty="0"/>
+              <a:t>4 </a:t>
+            </a:r>
+            <a:r>
+              <a:rPr lang="zh-CN" altLang="en-US" dirty="0"/>
+              <a:t>核的机器上已经体现出一定的性能优势。</a:t>
+            </a:r>
+            <a:endParaRPr lang="en-US" altLang="zh-CN" dirty="0"/>
+          </a:p>
+        </p:txBody>
+      </p:sp>
+    </p:spTree>
+    <p:extLst>
+      <p:ext uri="{BB962C8B-B14F-4D97-AF65-F5344CB8AC3E}">
+        <p14:creationId xmlns:p14="http://schemas.microsoft.com/office/powerpoint/2010/main" val="1166681761"/>
+      </p:ext>
+    </p:extLst>
+  </p:cSld>
+  <p:clrMapOvr>
+    <a:masterClrMapping/>
+  </p:clrMapOvr>
+</p:sld>
+</file>
+
+<file path=ppt/slides/slide8.xml><?xml version="1.0" encoding="utf-8"?>
+<p:sld xmlns:a="http://schemas.openxmlformats.org/drawingml/2006/main" xmlns:r="http://schemas.openxmlformats.org/officeDocument/2006/relationships" xmlns:p="http://schemas.openxmlformats.org/presentationml/2006/main">
+  <p:cSld>
+    <p:spTree>
+      <p:nvGrpSpPr>
+        <p:cNvPr id="1" name=""/>
+        <p:cNvGrpSpPr/>
+        <p:nvPr/>
+      </p:nvGrpSpPr>
+      <p:grpSpPr>
+        <a:xfrm>
+          <a:off x="0" y="0"/>
+          <a:ext cx="0" cy="0"/>
+          <a:chOff x="0" y="0"/>
+          <a:chExt cx="0" cy="0"/>
+        </a:xfrm>
+      </p:grpSpPr>
+      <p:sp>
+        <p:nvSpPr>
+          <p:cNvPr id="2" name="标题 1">
+            <a:extLst>
+              <a:ext uri="{FF2B5EF4-FFF2-40B4-BE49-F238E27FC236}">
                 <a16:creationId xmlns:a16="http://schemas.microsoft.com/office/drawing/2014/main" id="{06E8BF28-5DFD-6358-94BB-7896B3B98631}"/>
               </a:ext>
             </a:extLst>
@@ -3863,6 +4399,212 @@
     <p:extLst>
       <p:ext uri="{BB962C8B-B14F-4D97-AF65-F5344CB8AC3E}">
         <p14:creationId xmlns:p14="http://schemas.microsoft.com/office/powerpoint/2010/main" val="3269948890"/>
+      </p:ext>
+    </p:extLst>
+  </p:cSld>
+  <p:clrMapOvr>
+    <a:masterClrMapping/>
+  </p:clrMapOvr>
+</p:sld>
+</file>
+
+<file path=ppt/slides/slide9.xml><?xml version="1.0" encoding="utf-8"?>
+<p:sld xmlns:a="http://schemas.openxmlformats.org/drawingml/2006/main" xmlns:r="http://schemas.openxmlformats.org/officeDocument/2006/relationships" xmlns:p="http://schemas.openxmlformats.org/presentationml/2006/main">
+  <p:cSld>
+    <p:spTree>
+      <p:nvGrpSpPr>
+        <p:cNvPr id="1" name=""/>
+        <p:cNvGrpSpPr/>
+        <p:nvPr/>
+      </p:nvGrpSpPr>
+      <p:grpSpPr>
+        <a:xfrm>
+          <a:off x="0" y="0"/>
+          <a:ext cx="0" cy="0"/>
+          <a:chOff x="0" y="0"/>
+          <a:chExt cx="0" cy="0"/>
+        </a:xfrm>
+      </p:grpSpPr>
+      <p:sp>
+        <p:nvSpPr>
+          <p:cNvPr id="2" name="标题 1">
+            <a:extLst>
+              <a:ext uri="{FF2B5EF4-FFF2-40B4-BE49-F238E27FC236}">
+                <a16:creationId xmlns:a16="http://schemas.microsoft.com/office/drawing/2014/main" id="{34EC17CE-F822-2ADC-0DAB-7B32E077E714}"/>
+              </a:ext>
+            </a:extLst>
+          </p:cNvPr>
+          <p:cNvSpPr>
+            <a:spLocks noGrp="1"/>
+          </p:cNvSpPr>
+          <p:nvPr>
+            <p:ph type="title"/>
+          </p:nvPr>
+        </p:nvSpPr>
+        <p:spPr/>
+        <p:txBody>
+          <a:bodyPr/>
+          <a:lstStyle/>
+          <a:p>
+            <a:r>
+              <a:rPr lang="en-US" altLang="zh-CN" dirty="0"/>
+              <a:t>update</a:t>
+            </a:r>
+            <a:endParaRPr lang="zh-CN" altLang="en-US" dirty="0"/>
+          </a:p>
+        </p:txBody>
+      </p:sp>
+      <p:sp>
+        <p:nvSpPr>
+          <p:cNvPr id="3" name="内容占位符 2">
+            <a:extLst>
+              <a:ext uri="{FF2B5EF4-FFF2-40B4-BE49-F238E27FC236}">
+                <a16:creationId xmlns:a16="http://schemas.microsoft.com/office/drawing/2014/main" id="{A1BB18CA-D2CE-9363-8A20-B4CF62CDE55E}"/>
+              </a:ext>
+            </a:extLst>
+          </p:cNvPr>
+          <p:cNvSpPr>
+            <a:spLocks noGrp="1"/>
+          </p:cNvSpPr>
+          <p:nvPr>
+            <p:ph idx="1"/>
+          </p:nvPr>
+        </p:nvSpPr>
+        <p:spPr/>
+        <p:txBody>
+          <a:bodyPr/>
+          <a:lstStyle/>
+          <a:p>
+            <a:r>
+              <a:rPr lang="en-US" altLang="zh-CN" dirty="0"/>
+              <a:t>Ci </a:t>
+            </a:r>
+            <a:r>
+              <a:rPr lang="zh-CN" altLang="en-US" dirty="0"/>
+              <a:t>测试发现多核 </a:t>
+            </a:r>
+            <a:r>
+              <a:rPr lang="en-US" altLang="zh-CN" dirty="0"/>
+              <a:t>yield </a:t>
+            </a:r>
+            <a:r>
+              <a:rPr lang="zh-CN" altLang="en-US" dirty="0"/>
+              <a:t>测例出错，</a:t>
+            </a:r>
+            <a:r>
+              <a:rPr lang="en-US" altLang="zh-CN" dirty="0"/>
+              <a:t>switch </a:t>
+            </a:r>
+            <a:r>
+              <a:rPr lang="zh-CN" altLang="en-US" dirty="0"/>
+              <a:t>时的引用计数可能</a:t>
+            </a:r>
+            <a:r>
+              <a:rPr lang="en-US" altLang="zh-CN" dirty="0"/>
+              <a:t> &lt;= 1 </a:t>
+            </a:r>
+            <a:r>
+              <a:rPr lang="zh-CN" altLang="en-US" dirty="0"/>
+              <a:t>报错。</a:t>
+            </a:r>
+            <a:endParaRPr lang="en-US" altLang="zh-CN" dirty="0"/>
+          </a:p>
+          <a:p>
+            <a:r>
+              <a:rPr lang="zh-CN" altLang="en-US" dirty="0"/>
+              <a:t>观察调试输出发现，</a:t>
+            </a:r>
+            <a:r>
+              <a:rPr lang="en-US" altLang="zh-CN" dirty="0"/>
+              <a:t>yield </a:t>
+            </a:r>
+            <a:r>
+              <a:rPr lang="zh-CN" altLang="en-US" dirty="0"/>
+              <a:t>测例出错的情况是，</a:t>
+            </a:r>
+            <a:r>
+              <a:rPr lang="en-US" altLang="zh-CN" dirty="0"/>
+              <a:t>A </a:t>
+            </a:r>
+            <a:r>
+              <a:rPr lang="zh-CN" altLang="en-US" dirty="0"/>
+              <a:t>队列设置当前进程</a:t>
+            </a:r>
+            <a:r>
+              <a:rPr lang="en-US" altLang="zh-CN" dirty="0"/>
+              <a:t> x </a:t>
+            </a:r>
+            <a:r>
+              <a:rPr lang="zh-CN" altLang="en-US" dirty="0"/>
+              <a:t>为退出状态时，已进入退出队列但还没来得及被 </a:t>
+            </a:r>
+            <a:r>
+              <a:rPr lang="en-US" altLang="zh-CN" dirty="0"/>
+              <a:t>switch</a:t>
+            </a:r>
+            <a:r>
+              <a:rPr lang="zh-CN" altLang="en-US" dirty="0"/>
+              <a:t>，被执行 </a:t>
+            </a:r>
+            <a:r>
+              <a:rPr lang="en-US" altLang="zh-CN" dirty="0" err="1"/>
+              <a:t>gc_entry</a:t>
+            </a:r>
+            <a:r>
+              <a:rPr lang="zh-CN" altLang="en-US" dirty="0"/>
+              <a:t>（清理所有在退出队列内的线程）的 </a:t>
+            </a:r>
+            <a:r>
+              <a:rPr lang="en-US" altLang="zh-CN" dirty="0"/>
+              <a:t>B </a:t>
+            </a:r>
+            <a:r>
+              <a:rPr lang="zh-CN" altLang="en-US" dirty="0"/>
+              <a:t>队列删掉了进程 </a:t>
+            </a:r>
+            <a:r>
+              <a:rPr lang="en-US" altLang="zh-CN" dirty="0"/>
+              <a:t>x</a:t>
+            </a:r>
+            <a:r>
+              <a:rPr lang="zh-CN" altLang="en-US" dirty="0"/>
+              <a:t>。</a:t>
+            </a:r>
+            <a:endParaRPr lang="en-US" altLang="zh-CN" dirty="0"/>
+          </a:p>
+          <a:p>
+            <a:r>
+              <a:rPr lang="zh-CN" altLang="en-US" dirty="0"/>
+              <a:t>目前的解决方式：加锁，在进入退出队列到被 </a:t>
+            </a:r>
+            <a:r>
+              <a:rPr lang="en-US" altLang="zh-CN" dirty="0"/>
+              <a:t>switch </a:t>
+            </a:r>
+            <a:r>
+              <a:rPr lang="zh-CN" altLang="en-US" dirty="0"/>
+              <a:t>之间持有锁，</a:t>
+            </a:r>
+            <a:r>
+              <a:rPr lang="en-US" altLang="zh-CN" dirty="0" err="1"/>
+              <a:t>gc_entry</a:t>
+            </a:r>
+            <a:r>
+              <a:rPr lang="en-US" altLang="zh-CN" dirty="0"/>
+              <a:t> </a:t>
+            </a:r>
+            <a:r>
+              <a:rPr lang="zh-CN" altLang="en-US" dirty="0"/>
+              <a:t>需要获取这个锁才允许运行。问题得到解决。</a:t>
+            </a:r>
+            <a:endParaRPr lang="en-US" altLang="zh-CN" dirty="0"/>
+          </a:p>
+        </p:txBody>
+      </p:sp>
+    </p:spTree>
+    <p:extLst>
+      <p:ext uri="{BB962C8B-B14F-4D97-AF65-F5344CB8AC3E}">
+        <p14:creationId xmlns:p14="http://schemas.microsoft.com/office/powerpoint/2010/main" val="1251590392"/>
       </p:ext>
     </p:extLst>
   </p:cSld>

--- a/report/进展 6.4.pptx
+++ b/report/进展 6.4.pptx
@@ -10,10 +10,11 @@
     <p:sldId id="262" r:id="rId4"/>
     <p:sldId id="263" r:id="rId5"/>
     <p:sldId id="264" r:id="rId6"/>
-    <p:sldId id="258" r:id="rId7"/>
-    <p:sldId id="259" r:id="rId8"/>
-    <p:sldId id="260" r:id="rId9"/>
-    <p:sldId id="261" r:id="rId10"/>
+    <p:sldId id="265" r:id="rId7"/>
+    <p:sldId id="258" r:id="rId8"/>
+    <p:sldId id="259" r:id="rId9"/>
+    <p:sldId id="260" r:id="rId10"/>
+    <p:sldId id="261" r:id="rId11"/>
   </p:sldIdLst>
   <p:sldSz cx="12192000" cy="6858000"/>
   <p:notesSz cx="6858000" cy="9144000"/>
@@ -3410,6 +3411,229 @@
 </p:sld>
 </file>
 
+<file path=ppt/slides/slide10.xml><?xml version="1.0" encoding="utf-8"?>
+<p:sld xmlns:a="http://schemas.openxmlformats.org/drawingml/2006/main" xmlns:r="http://schemas.openxmlformats.org/officeDocument/2006/relationships" xmlns:p="http://schemas.openxmlformats.org/presentationml/2006/main">
+  <p:cSld>
+    <p:spTree>
+      <p:nvGrpSpPr>
+        <p:cNvPr id="1" name=""/>
+        <p:cNvGrpSpPr/>
+        <p:nvPr/>
+      </p:nvGrpSpPr>
+      <p:grpSpPr>
+        <a:xfrm>
+          <a:off x="0" y="0"/>
+          <a:ext cx="0" cy="0"/>
+          <a:chOff x="0" y="0"/>
+          <a:chExt cx="0" cy="0"/>
+        </a:xfrm>
+      </p:grpSpPr>
+      <p:sp>
+        <p:nvSpPr>
+          <p:cNvPr id="2" name="标题 1">
+            <a:extLst>
+              <a:ext uri="{FF2B5EF4-FFF2-40B4-BE49-F238E27FC236}">
+                <a16:creationId xmlns:a16="http://schemas.microsoft.com/office/drawing/2014/main" id="{34EC17CE-F822-2ADC-0DAB-7B32E077E714}"/>
+              </a:ext>
+            </a:extLst>
+          </p:cNvPr>
+          <p:cNvSpPr>
+            <a:spLocks noGrp="1"/>
+          </p:cNvSpPr>
+          <p:nvPr>
+            <p:ph type="title"/>
+          </p:nvPr>
+        </p:nvSpPr>
+        <p:spPr/>
+        <p:txBody>
+          <a:bodyPr/>
+          <a:lstStyle/>
+          <a:p>
+            <a:r>
+              <a:rPr lang="en-US" altLang="zh-CN" dirty="0"/>
+              <a:t>update</a:t>
+            </a:r>
+            <a:endParaRPr lang="zh-CN" altLang="en-US" dirty="0"/>
+          </a:p>
+        </p:txBody>
+      </p:sp>
+      <p:sp>
+        <p:nvSpPr>
+          <p:cNvPr id="3" name="内容占位符 2">
+            <a:extLst>
+              <a:ext uri="{FF2B5EF4-FFF2-40B4-BE49-F238E27FC236}">
+                <a16:creationId xmlns:a16="http://schemas.microsoft.com/office/drawing/2014/main" id="{A1BB18CA-D2CE-9363-8A20-B4CF62CDE55E}"/>
+              </a:ext>
+            </a:extLst>
+          </p:cNvPr>
+          <p:cNvSpPr>
+            <a:spLocks noGrp="1"/>
+          </p:cNvSpPr>
+          <p:nvPr>
+            <p:ph idx="1"/>
+          </p:nvPr>
+        </p:nvSpPr>
+        <p:spPr/>
+        <p:txBody>
+          <a:bodyPr>
+            <a:normAutofit fontScale="92500"/>
+          </a:bodyPr>
+          <a:lstStyle/>
+          <a:p>
+            <a:pPr>
+              <a:lnSpc>
+                <a:spcPct val="150000"/>
+              </a:lnSpc>
+            </a:pPr>
+            <a:r>
+              <a:rPr lang="en-US" altLang="zh-CN" dirty="0"/>
+              <a:t>Ci </a:t>
+            </a:r>
+            <a:r>
+              <a:rPr lang="zh-CN" altLang="en-US" dirty="0"/>
+              <a:t>测试发现多核 </a:t>
+            </a:r>
+            <a:r>
+              <a:rPr lang="en-US" altLang="zh-CN" dirty="0"/>
+              <a:t>yield </a:t>
+            </a:r>
+            <a:r>
+              <a:rPr lang="zh-CN" altLang="en-US" dirty="0"/>
+              <a:t>测例出错，</a:t>
+            </a:r>
+            <a:r>
+              <a:rPr lang="en-US" altLang="zh-CN" dirty="0"/>
+              <a:t>switch </a:t>
+            </a:r>
+            <a:r>
+              <a:rPr lang="zh-CN" altLang="en-US" dirty="0"/>
+              <a:t>时的引用计数可能</a:t>
+            </a:r>
+            <a:r>
+              <a:rPr lang="en-US" altLang="zh-CN" dirty="0"/>
+              <a:t> &lt;= 1 </a:t>
+            </a:r>
+            <a:r>
+              <a:rPr lang="zh-CN" altLang="en-US" dirty="0"/>
+              <a:t>报错。</a:t>
+            </a:r>
+            <a:endParaRPr lang="en-US" altLang="zh-CN" dirty="0"/>
+          </a:p>
+          <a:p>
+            <a:pPr>
+              <a:lnSpc>
+                <a:spcPct val="150000"/>
+              </a:lnSpc>
+            </a:pPr>
+            <a:r>
+              <a:rPr lang="zh-CN" altLang="en-US" dirty="0"/>
+              <a:t>观察调试输出发现，</a:t>
+            </a:r>
+            <a:r>
+              <a:rPr lang="en-US" altLang="zh-CN" dirty="0"/>
+              <a:t>yield </a:t>
+            </a:r>
+            <a:r>
+              <a:rPr lang="zh-CN" altLang="en-US" dirty="0"/>
+              <a:t>测例出错的情况是，</a:t>
+            </a:r>
+            <a:r>
+              <a:rPr lang="en-US" altLang="zh-CN" dirty="0"/>
+              <a:t>A </a:t>
+            </a:r>
+            <a:r>
+              <a:rPr lang="zh-CN" altLang="en-US" dirty="0"/>
+              <a:t>队列设置当前进程</a:t>
+            </a:r>
+            <a:r>
+              <a:rPr lang="en-US" altLang="zh-CN" dirty="0"/>
+              <a:t> x </a:t>
+            </a:r>
+            <a:r>
+              <a:rPr lang="zh-CN" altLang="en-US" dirty="0"/>
+              <a:t>为退出状态时，已进入退出队列但还没来得及被 </a:t>
+            </a:r>
+            <a:r>
+              <a:rPr lang="en-US" altLang="zh-CN" dirty="0"/>
+              <a:t>switch</a:t>
+            </a:r>
+            <a:r>
+              <a:rPr lang="zh-CN" altLang="en-US" dirty="0"/>
+              <a:t>，被执行 </a:t>
+            </a:r>
+            <a:r>
+              <a:rPr lang="en-US" altLang="zh-CN" dirty="0" err="1"/>
+              <a:t>gc_entry</a:t>
+            </a:r>
+            <a:r>
+              <a:rPr lang="zh-CN" altLang="en-US" dirty="0"/>
+              <a:t>（清理所有在退出队列内的线程）的 </a:t>
+            </a:r>
+            <a:r>
+              <a:rPr lang="en-US" altLang="zh-CN" dirty="0"/>
+              <a:t>B </a:t>
+            </a:r>
+            <a:r>
+              <a:rPr lang="zh-CN" altLang="en-US" dirty="0"/>
+              <a:t>队列删掉了进程 </a:t>
+            </a:r>
+            <a:r>
+              <a:rPr lang="en-US" altLang="zh-CN" dirty="0"/>
+              <a:t>x</a:t>
+            </a:r>
+            <a:r>
+              <a:rPr lang="zh-CN" altLang="en-US" dirty="0"/>
+              <a:t>。</a:t>
+            </a:r>
+            <a:endParaRPr lang="en-US" altLang="zh-CN" dirty="0"/>
+          </a:p>
+          <a:p>
+            <a:pPr>
+              <a:lnSpc>
+                <a:spcPct val="150000"/>
+              </a:lnSpc>
+            </a:pPr>
+            <a:r>
+              <a:rPr lang="zh-CN" altLang="en-US" dirty="0"/>
+              <a:t>目前的解决方式：加锁，在进入退出队列到被 </a:t>
+            </a:r>
+            <a:r>
+              <a:rPr lang="en-US" altLang="zh-CN" dirty="0"/>
+              <a:t>switch </a:t>
+            </a:r>
+            <a:r>
+              <a:rPr lang="zh-CN" altLang="en-US" dirty="0"/>
+              <a:t>之间持有锁，</a:t>
+            </a:r>
+            <a:r>
+              <a:rPr lang="en-US" altLang="zh-CN" dirty="0" err="1"/>
+              <a:t>gc_entry</a:t>
+            </a:r>
+            <a:r>
+              <a:rPr lang="en-US" altLang="zh-CN" dirty="0"/>
+              <a:t> </a:t>
+            </a:r>
+            <a:r>
+              <a:rPr lang="zh-CN" altLang="en-US" dirty="0"/>
+              <a:t>需要获取这个锁才允许运行。问题得到解决。</a:t>
+            </a:r>
+            <a:endParaRPr lang="en-US" altLang="zh-CN" dirty="0"/>
+          </a:p>
+        </p:txBody>
+      </p:sp>
+    </p:spTree>
+    <p:extLst>
+      <p:ext uri="{BB962C8B-B14F-4D97-AF65-F5344CB8AC3E}">
+        <p14:creationId xmlns:p14="http://schemas.microsoft.com/office/powerpoint/2010/main" val="1251590392"/>
+      </p:ext>
+    </p:extLst>
+  </p:cSld>
+  <p:clrMapOvr>
+    <a:masterClrMapping/>
+  </p:clrMapOvr>
+</p:sld>
+</file>
+
 <file path=ppt/slides/slide2.xml><?xml version="1.0" encoding="utf-8"?>
 <p:sld xmlns:a="http://schemas.openxmlformats.org/drawingml/2006/main" xmlns:r="http://schemas.openxmlformats.org/officeDocument/2006/relationships" xmlns:p="http://schemas.openxmlformats.org/presentationml/2006/main">
   <p:cSld>
@@ -3589,6 +3813,11 @@
           </a:bodyPr>
           <a:lstStyle/>
           <a:p>
+            <a:pPr>
+              <a:lnSpc>
+                <a:spcPct val="150000"/>
+              </a:lnSpc>
+            </a:pPr>
             <a:r>
               <a:rPr lang="zh-CN" altLang="en-US" dirty="0"/>
               <a:t>时钟中断后：</a:t>
@@ -3596,6 +3825,11 @@
             <a:endParaRPr lang="en-US" altLang="zh-CN" dirty="0"/>
           </a:p>
           <a:p>
+            <a:pPr>
+              <a:lnSpc>
+                <a:spcPct val="150000"/>
+              </a:lnSpc>
+            </a:pPr>
             <a:r>
               <a:rPr lang="en-US" altLang="zh-CN" dirty="0" err="1"/>
               <a:t>on_timer_tick</a:t>
@@ -3776,8 +4010,13 @@
           </a:bodyPr>
           <a:lstStyle/>
           <a:p>
-            <a:r>
-              <a:rPr lang="zh-CN" altLang="en-US"/>
+            <a:pPr>
+              <a:lnSpc>
+                <a:spcPct val="150000"/>
+              </a:lnSpc>
+            </a:pPr>
+            <a:r>
+              <a:rPr lang="zh-CN" altLang="en-US" dirty="0"/>
               <a:t>如果 </a:t>
             </a:r>
             <a:r>
@@ -3922,9 +4161,19 @@
             </a:r>
           </a:p>
           <a:p>
+            <a:pPr>
+              <a:lnSpc>
+                <a:spcPct val="150000"/>
+              </a:lnSpc>
+            </a:pPr>
             <a:endParaRPr lang="zh-CN" altLang="en-US" dirty="0"/>
           </a:p>
           <a:p>
+            <a:pPr>
+              <a:lnSpc>
+                <a:spcPct val="150000"/>
+              </a:lnSpc>
+            </a:pPr>
             <a:endParaRPr lang="zh-CN" altLang="en-US" dirty="0"/>
           </a:p>
         </p:txBody>
@@ -4070,7 +4319,7 @@
           <p:cNvPr id="2" name="标题 1">
             <a:extLst>
               <a:ext uri="{FF2B5EF4-FFF2-40B4-BE49-F238E27FC236}">
-                <a16:creationId xmlns:a16="http://schemas.microsoft.com/office/drawing/2014/main" id="{7D771015-4E0D-0E9E-2F26-8D124DB98906}"/>
+                <a16:creationId xmlns:a16="http://schemas.microsoft.com/office/drawing/2014/main" id="{B1ED1A04-B196-627B-84EB-69562157879A}"/>
               </a:ext>
             </a:extLst>
           </p:cNvPr>
@@ -4087,9 +4336,10 @@
           <a:lstStyle/>
           <a:p>
             <a:r>
-              <a:rPr lang="zh-CN" altLang="en-US" dirty="0"/>
-              <a:t>测例</a:t>
-            </a:r>
+              <a:rPr lang="en-US" altLang="zh-CN" dirty="0"/>
+              <a:t>Affinity mask</a:t>
+            </a:r>
+            <a:endParaRPr lang="zh-CN" altLang="en-US" dirty="0"/>
           </a:p>
         </p:txBody>
       </p:sp>
@@ -4098,7 +4348,7 @@
           <p:cNvPr id="3" name="内容占位符 2">
             <a:extLst>
               <a:ext uri="{FF2B5EF4-FFF2-40B4-BE49-F238E27FC236}">
-                <a16:creationId xmlns:a16="http://schemas.microsoft.com/office/drawing/2014/main" id="{337F1833-C85D-0B84-2D0A-7CFC5DD24D3F}"/>
+                <a16:creationId xmlns:a16="http://schemas.microsoft.com/office/drawing/2014/main" id="{A81481D0-739D-A999-D7C7-0669E75E19B7}"/>
               </a:ext>
             </a:extLst>
           </p:cNvPr>
@@ -4116,29 +4366,42 @@
           <a:p>
             <a:r>
               <a:rPr lang="zh-CN" altLang="en-US" dirty="0"/>
-              <a:t>调整了 </a:t>
-            </a:r>
-            <a:r>
-              <a:rPr lang="en-US" altLang="zh-CN" dirty="0"/>
-              <a:t>unbalance </a:t>
-            </a:r>
-            <a:r>
-              <a:rPr lang="zh-CN" altLang="en-US" dirty="0"/>
-              <a:t>测例的实现。</a:t>
+              <a:t>初步实现亲和掩码，设置一些任务只能在某个核上运行。</a:t>
             </a:r>
             <a:endParaRPr lang="en-US" altLang="zh-CN" dirty="0"/>
           </a:p>
           <a:p>
             <a:r>
               <a:rPr lang="zh-CN" altLang="en-US" dirty="0"/>
-              <a:t>这个测例包含了长短不一的任务负载。</a:t>
-            </a:r>
-            <a:endParaRPr lang="en-US" altLang="zh-CN" dirty="0"/>
-          </a:p>
-          <a:p>
-            <a:r>
-              <a:rPr lang="zh-CN" altLang="en-US" dirty="0"/>
-              <a:t>调整后包含了一个运行时间较久的任务，这样分到这个任务的核会跑得慢，从而体现线程窃取的作用。</a:t>
+              <a:t>比如 </a:t>
+            </a:r>
+            <a:r>
+              <a:rPr lang="en-US" altLang="zh-CN" dirty="0" err="1"/>
+              <a:t>gc_task</a:t>
+            </a:r>
+            <a:r>
+              <a:rPr lang="zh-CN" altLang="en-US" dirty="0"/>
+              <a:t> 需要清理自己核的进程就必须一个核一个，不受 </a:t>
+            </a:r>
+            <a:r>
+              <a:rPr lang="en-US" altLang="zh-CN" dirty="0"/>
+              <a:t>load balance </a:t>
+            </a:r>
+            <a:r>
+              <a:rPr lang="zh-CN" altLang="en-US" dirty="0"/>
+              <a:t>的 </a:t>
+            </a:r>
+            <a:r>
+              <a:rPr lang="en-US" altLang="zh-CN" dirty="0" err="1"/>
+              <a:t>find_target_cpu</a:t>
+            </a:r>
+            <a:r>
+              <a:rPr lang="en-US" altLang="zh-CN" dirty="0"/>
+              <a:t> </a:t>
+            </a:r>
+            <a:r>
+              <a:rPr lang="zh-CN" altLang="en-US"/>
+              <a:t>影响而全放在某个核上，也不能被窃取。</a:t>
             </a:r>
             <a:endParaRPr lang="en-US" altLang="zh-CN" dirty="0"/>
           </a:p>
@@ -4147,7 +4410,7 @@
     </p:spTree>
     <p:extLst>
       <p:ext uri="{BB962C8B-B14F-4D97-AF65-F5344CB8AC3E}">
-        <p14:creationId xmlns:p14="http://schemas.microsoft.com/office/powerpoint/2010/main" val="1194882565"/>
+        <p14:creationId xmlns:p14="http://schemas.microsoft.com/office/powerpoint/2010/main" val="191575900"/>
       </p:ext>
     </p:extLst>
   </p:cSld>
@@ -4179,7 +4442,7 @@
           <p:cNvPr id="2" name="标题 1">
             <a:extLst>
               <a:ext uri="{FF2B5EF4-FFF2-40B4-BE49-F238E27FC236}">
-                <a16:creationId xmlns:a16="http://schemas.microsoft.com/office/drawing/2014/main" id="{15B86F6D-1EDF-9D64-1D21-619754C895F1}"/>
+                <a16:creationId xmlns:a16="http://schemas.microsoft.com/office/drawing/2014/main" id="{7D771015-4E0D-0E9E-2F26-8D124DB98906}"/>
               </a:ext>
             </a:extLst>
           </p:cNvPr>
@@ -4196,12 +4459,8 @@
           <a:lstStyle/>
           <a:p>
             <a:r>
-              <a:rPr lang="en-US" altLang="zh-CN" dirty="0"/>
-              <a:t>Unbalance </a:t>
-            </a:r>
-            <a:r>
-              <a:rPr lang="zh-CN" altLang="en-US" dirty="0"/>
-              <a:t>测例的测试结果</a:t>
+              <a:rPr lang="zh-CN" altLang="en-US" dirty="0"/>
+              <a:t>测例</a:t>
             </a:r>
           </a:p>
         </p:txBody>
@@ -4211,7 +4470,7 @@
           <p:cNvPr id="3" name="内容占位符 2">
             <a:extLst>
               <a:ext uri="{FF2B5EF4-FFF2-40B4-BE49-F238E27FC236}">
-                <a16:creationId xmlns:a16="http://schemas.microsoft.com/office/drawing/2014/main" id="{265D3DEA-538B-D1CD-5069-F6EBD40093BD}"/>
+                <a16:creationId xmlns:a16="http://schemas.microsoft.com/office/drawing/2014/main" id="{337F1833-C85D-0B84-2D0A-7CFC5DD24D3F}"/>
               </a:ext>
             </a:extLst>
           </p:cNvPr>
@@ -4227,62 +4486,46 @@
           <a:bodyPr/>
           <a:lstStyle/>
           <a:p>
-            <a:r>
-              <a:rPr lang="zh-CN" altLang="en-US" dirty="0"/>
-              <a:t>测 </a:t>
-            </a:r>
-            <a:r>
-              <a:rPr lang="en-US" altLang="zh-CN" dirty="0"/>
-              <a:t>10 </a:t>
-            </a:r>
-            <a:r>
-              <a:rPr lang="zh-CN" altLang="en-US" dirty="0"/>
-              <a:t>次取平均。</a:t>
+            <a:pPr>
+              <a:lnSpc>
+                <a:spcPct val="150000"/>
+              </a:lnSpc>
+            </a:pPr>
+            <a:r>
+              <a:rPr lang="zh-CN" altLang="en-US" dirty="0"/>
+              <a:t>调整了 </a:t>
+            </a:r>
+            <a:r>
+              <a:rPr lang="en-US" altLang="zh-CN" dirty="0"/>
+              <a:t>unbalance </a:t>
+            </a:r>
+            <a:r>
+              <a:rPr lang="zh-CN" altLang="en-US" dirty="0"/>
+              <a:t>测例的实现。</a:t>
             </a:r>
             <a:endParaRPr lang="en-US" altLang="zh-CN" dirty="0"/>
           </a:p>
           <a:p>
-            <a:r>
-              <a:rPr lang="zh-CN" altLang="en-US" dirty="0"/>
-              <a:t>多队列，不开线程窃取：平均 </a:t>
-            </a:r>
-            <a:r>
-              <a:rPr lang="en-US" altLang="zh-CN" dirty="0"/>
-              <a:t>4020ms</a:t>
-            </a:r>
-          </a:p>
-          <a:p>
-            <a:r>
-              <a:rPr lang="zh-CN" altLang="en-US" dirty="0"/>
-              <a:t>多队列，开线程窃取：平均 </a:t>
-            </a:r>
-            <a:r>
-              <a:rPr lang="en-US" altLang="zh-CN" dirty="0"/>
-              <a:t>3603ms</a:t>
-            </a:r>
-          </a:p>
-          <a:p>
-            <a:r>
-              <a:rPr lang="zh-CN" altLang="en-US" dirty="0"/>
-              <a:t>单队列：平均 </a:t>
-            </a:r>
-            <a:r>
-              <a:rPr lang="en-US" altLang="zh-CN" dirty="0"/>
-              <a:t>3657ms</a:t>
-            </a:r>
-          </a:p>
-          <a:p>
-            <a:r>
-              <a:rPr lang="zh-CN" altLang="en-US" dirty="0"/>
-              <a:t>可以看到目前实现的多队列在仅 </a:t>
-            </a:r>
-            <a:r>
-              <a:rPr lang="en-US" altLang="zh-CN" dirty="0"/>
-              <a:t>4 </a:t>
-            </a:r>
-            <a:r>
-              <a:rPr lang="zh-CN" altLang="en-US" dirty="0"/>
-              <a:t>核的机器上已经体现出一定的性能优势。</a:t>
+            <a:pPr>
+              <a:lnSpc>
+                <a:spcPct val="150000"/>
+              </a:lnSpc>
+            </a:pPr>
+            <a:r>
+              <a:rPr lang="zh-CN" altLang="en-US" dirty="0"/>
+              <a:t>这个测例包含了长短不一的任务负载。</a:t>
+            </a:r>
+            <a:endParaRPr lang="en-US" altLang="zh-CN" dirty="0"/>
+          </a:p>
+          <a:p>
+            <a:pPr>
+              <a:lnSpc>
+                <a:spcPct val="150000"/>
+              </a:lnSpc>
+            </a:pPr>
+            <a:r>
+              <a:rPr lang="zh-CN" altLang="en-US" dirty="0"/>
+              <a:t>调整后包含了一个运行时间较久的任务，这样分到这个任务的核会跑得慢，从而体现线程窃取的作用。</a:t>
             </a:r>
             <a:endParaRPr lang="en-US" altLang="zh-CN" dirty="0"/>
           </a:p>
@@ -4291,7 +4534,7 @@
     </p:spTree>
     <p:extLst>
       <p:ext uri="{BB962C8B-B14F-4D97-AF65-F5344CB8AC3E}">
-        <p14:creationId xmlns:p14="http://schemas.microsoft.com/office/powerpoint/2010/main" val="1166681761"/>
+        <p14:creationId xmlns:p14="http://schemas.microsoft.com/office/powerpoint/2010/main" val="1194882565"/>
       </p:ext>
     </p:extLst>
   </p:cSld>
@@ -4323,7 +4566,7 @@
           <p:cNvPr id="2" name="标题 1">
             <a:extLst>
               <a:ext uri="{FF2B5EF4-FFF2-40B4-BE49-F238E27FC236}">
-                <a16:creationId xmlns:a16="http://schemas.microsoft.com/office/drawing/2014/main" id="{06E8BF28-5DFD-6358-94BB-7896B3B98631}"/>
+                <a16:creationId xmlns:a16="http://schemas.microsoft.com/office/drawing/2014/main" id="{15B86F6D-1EDF-9D64-1D21-619754C895F1}"/>
               </a:ext>
             </a:extLst>
           </p:cNvPr>
@@ -4341,9 +4584,12 @@
           <a:p>
             <a:r>
               <a:rPr lang="en-US" altLang="zh-CN" dirty="0"/>
-              <a:t>pr</a:t>
-            </a:r>
-            <a:endParaRPr lang="zh-CN" altLang="en-US" dirty="0"/>
+              <a:t>Unbalance </a:t>
+            </a:r>
+            <a:r>
+              <a:rPr lang="zh-CN" altLang="en-US" dirty="0"/>
+              <a:t>测例的测试结果</a:t>
+            </a:r>
           </a:p>
         </p:txBody>
       </p:sp>
@@ -4352,7 +4598,7 @@
           <p:cNvPr id="3" name="内容占位符 2">
             <a:extLst>
               <a:ext uri="{FF2B5EF4-FFF2-40B4-BE49-F238E27FC236}">
-                <a16:creationId xmlns:a16="http://schemas.microsoft.com/office/drawing/2014/main" id="{3F3150FF-D997-C1A3-BC39-F01AB90734D5}"/>
+                <a16:creationId xmlns:a16="http://schemas.microsoft.com/office/drawing/2014/main" id="{265D3DEA-538B-D1CD-5069-F6EBD40093BD}"/>
               </a:ext>
             </a:extLst>
           </p:cNvPr>
@@ -4365,40 +4611,101 @@
         </p:nvSpPr>
         <p:spPr/>
         <p:txBody>
-          <a:bodyPr/>
-          <a:lstStyle/>
-          <a:p>
-            <a:r>
-              <a:rPr lang="zh-CN" altLang="en-US" dirty="0"/>
-              <a:t>已尝试提交 </a:t>
-            </a:r>
-            <a:r>
-              <a:rPr lang="en-US" altLang="zh-CN" dirty="0"/>
-              <a:t>pr</a:t>
-            </a:r>
-            <a:r>
-              <a:rPr lang="zh-CN" altLang="en-US" dirty="0"/>
-              <a:t>，目前正在修一些 </a:t>
-            </a:r>
-            <a:r>
-              <a:rPr lang="en-US" altLang="zh-CN" dirty="0"/>
-              <a:t>ci</a:t>
-            </a:r>
-            <a:r>
-              <a:rPr lang="zh-CN" altLang="en-US" dirty="0"/>
-              <a:t>。</a:t>
-            </a:r>
-            <a:endParaRPr lang="en-US" altLang="zh-CN"/>
-          </a:p>
-          <a:p>
-            <a:endParaRPr lang="zh-CN" altLang="en-US"/>
+          <a:bodyPr>
+            <a:normAutofit lnSpcReduction="10000"/>
+          </a:bodyPr>
+          <a:lstStyle/>
+          <a:p>
+            <a:pPr>
+              <a:lnSpc>
+                <a:spcPct val="150000"/>
+              </a:lnSpc>
+            </a:pPr>
+            <a:r>
+              <a:rPr lang="zh-CN" altLang="en-US" dirty="0"/>
+              <a:t>测 </a:t>
+            </a:r>
+            <a:r>
+              <a:rPr lang="en-US" altLang="zh-CN" dirty="0"/>
+              <a:t>10 </a:t>
+            </a:r>
+            <a:r>
+              <a:rPr lang="zh-CN" altLang="en-US" dirty="0"/>
+              <a:t>次取平均。</a:t>
+            </a:r>
+            <a:endParaRPr lang="en-US" altLang="zh-CN" dirty="0"/>
+          </a:p>
+          <a:p>
+            <a:pPr>
+              <a:lnSpc>
+                <a:spcPct val="150000"/>
+              </a:lnSpc>
+            </a:pPr>
+            <a:r>
+              <a:rPr lang="zh-CN" altLang="en-US" dirty="0"/>
+              <a:t>多队列，不开线程窃取：平均 </a:t>
+            </a:r>
+            <a:r>
+              <a:rPr lang="en-US" altLang="zh-CN" dirty="0"/>
+              <a:t>4020ms</a:t>
+            </a:r>
+          </a:p>
+          <a:p>
+            <a:pPr>
+              <a:lnSpc>
+                <a:spcPct val="150000"/>
+              </a:lnSpc>
+            </a:pPr>
+            <a:r>
+              <a:rPr lang="zh-CN" altLang="en-US" dirty="0"/>
+              <a:t>多队列，开线程窃取：平均 </a:t>
+            </a:r>
+            <a:r>
+              <a:rPr lang="en-US" altLang="zh-CN" dirty="0"/>
+              <a:t>3603ms</a:t>
+            </a:r>
+          </a:p>
+          <a:p>
+            <a:pPr>
+              <a:lnSpc>
+                <a:spcPct val="150000"/>
+              </a:lnSpc>
+            </a:pPr>
+            <a:r>
+              <a:rPr lang="zh-CN" altLang="en-US" dirty="0"/>
+              <a:t>单队列：平均 </a:t>
+            </a:r>
+            <a:r>
+              <a:rPr lang="en-US" altLang="zh-CN" dirty="0"/>
+              <a:t>3657ms</a:t>
+            </a:r>
+          </a:p>
+          <a:p>
+            <a:pPr>
+              <a:lnSpc>
+                <a:spcPct val="150000"/>
+              </a:lnSpc>
+            </a:pPr>
+            <a:r>
+              <a:rPr lang="zh-CN" altLang="en-US" dirty="0"/>
+              <a:t>可以看到目前实现的多队列在仅 </a:t>
+            </a:r>
+            <a:r>
+              <a:rPr lang="en-US" altLang="zh-CN" dirty="0"/>
+              <a:t>4 </a:t>
+            </a:r>
+            <a:r>
+              <a:rPr lang="zh-CN" altLang="en-US" dirty="0"/>
+              <a:t>核的机器上已经体现出一定的性能优势。</a:t>
+            </a:r>
+            <a:endParaRPr lang="en-US" altLang="zh-CN" dirty="0"/>
           </a:p>
         </p:txBody>
       </p:sp>
     </p:spTree>
     <p:extLst>
       <p:ext uri="{BB962C8B-B14F-4D97-AF65-F5344CB8AC3E}">
-        <p14:creationId xmlns:p14="http://schemas.microsoft.com/office/powerpoint/2010/main" val="3269948890"/>
+        <p14:creationId xmlns:p14="http://schemas.microsoft.com/office/powerpoint/2010/main" val="1166681761"/>
       </p:ext>
     </p:extLst>
   </p:cSld>
@@ -4430,7 +4737,7 @@
           <p:cNvPr id="2" name="标题 1">
             <a:extLst>
               <a:ext uri="{FF2B5EF4-FFF2-40B4-BE49-F238E27FC236}">
-                <a16:creationId xmlns:a16="http://schemas.microsoft.com/office/drawing/2014/main" id="{34EC17CE-F822-2ADC-0DAB-7B32E077E714}"/>
+                <a16:creationId xmlns:a16="http://schemas.microsoft.com/office/drawing/2014/main" id="{06E8BF28-5DFD-6358-94BB-7896B3B98631}"/>
               </a:ext>
             </a:extLst>
           </p:cNvPr>
@@ -4448,7 +4755,7 @@
           <a:p>
             <a:r>
               <a:rPr lang="en-US" altLang="zh-CN" dirty="0"/>
-              <a:t>update</a:t>
+              <a:t>pr</a:t>
             </a:r>
             <a:endParaRPr lang="zh-CN" altLang="en-US" dirty="0"/>
           </a:p>
@@ -4459,7 +4766,7 @@
           <p:cNvPr id="3" name="内容占位符 2">
             <a:extLst>
               <a:ext uri="{FF2B5EF4-FFF2-40B4-BE49-F238E27FC236}">
-                <a16:creationId xmlns:a16="http://schemas.microsoft.com/office/drawing/2014/main" id="{A1BB18CA-D2CE-9363-8A20-B4CF62CDE55E}"/>
+                <a16:creationId xmlns:a16="http://schemas.microsoft.com/office/drawing/2014/main" id="{3F3150FF-D997-C1A3-BC39-F01AB90734D5}"/>
               </a:ext>
             </a:extLst>
           </p:cNvPr>
@@ -4476,135 +4783,36 @@
           <a:lstStyle/>
           <a:p>
             <a:r>
-              <a:rPr lang="en-US" altLang="zh-CN" dirty="0"/>
-              <a:t>Ci </a:t>
-            </a:r>
-            <a:r>
-              <a:rPr lang="zh-CN" altLang="en-US" dirty="0"/>
-              <a:t>测试发现多核 </a:t>
-            </a:r>
-            <a:r>
-              <a:rPr lang="en-US" altLang="zh-CN" dirty="0"/>
-              <a:t>yield </a:t>
-            </a:r>
-            <a:r>
-              <a:rPr lang="zh-CN" altLang="en-US" dirty="0"/>
-              <a:t>测例出错，</a:t>
-            </a:r>
-            <a:r>
-              <a:rPr lang="en-US" altLang="zh-CN" dirty="0"/>
-              <a:t>switch </a:t>
-            </a:r>
-            <a:r>
-              <a:rPr lang="zh-CN" altLang="en-US" dirty="0"/>
-              <a:t>时的引用计数可能</a:t>
-            </a:r>
-            <a:r>
-              <a:rPr lang="en-US" altLang="zh-CN" dirty="0"/>
-              <a:t> &lt;= 1 </a:t>
-            </a:r>
-            <a:r>
-              <a:rPr lang="zh-CN" altLang="en-US" dirty="0"/>
-              <a:t>报错。</a:t>
-            </a:r>
-            <a:endParaRPr lang="en-US" altLang="zh-CN" dirty="0"/>
-          </a:p>
-          <a:p>
-            <a:r>
-              <a:rPr lang="zh-CN" altLang="en-US" dirty="0"/>
-              <a:t>观察调试输出发现，</a:t>
-            </a:r>
-            <a:r>
-              <a:rPr lang="en-US" altLang="zh-CN" dirty="0"/>
-              <a:t>yield </a:t>
-            </a:r>
-            <a:r>
-              <a:rPr lang="zh-CN" altLang="en-US" dirty="0"/>
-              <a:t>测例出错的情况是，</a:t>
-            </a:r>
-            <a:r>
-              <a:rPr lang="en-US" altLang="zh-CN" dirty="0"/>
-              <a:t>A </a:t>
-            </a:r>
-            <a:r>
-              <a:rPr lang="zh-CN" altLang="en-US" dirty="0"/>
-              <a:t>队列设置当前进程</a:t>
-            </a:r>
-            <a:r>
-              <a:rPr lang="en-US" altLang="zh-CN" dirty="0"/>
-              <a:t> x </a:t>
-            </a:r>
-            <a:r>
-              <a:rPr lang="zh-CN" altLang="en-US" dirty="0"/>
-              <a:t>为退出状态时，已进入退出队列但还没来得及被 </a:t>
-            </a:r>
-            <a:r>
-              <a:rPr lang="en-US" altLang="zh-CN" dirty="0"/>
-              <a:t>switch</a:t>
-            </a:r>
-            <a:r>
-              <a:rPr lang="zh-CN" altLang="en-US" dirty="0"/>
-              <a:t>，被执行 </a:t>
-            </a:r>
-            <a:r>
-              <a:rPr lang="en-US" altLang="zh-CN" dirty="0" err="1"/>
-              <a:t>gc_entry</a:t>
-            </a:r>
-            <a:r>
-              <a:rPr lang="zh-CN" altLang="en-US" dirty="0"/>
-              <a:t>（清理所有在退出队列内的线程）的 </a:t>
-            </a:r>
-            <a:r>
-              <a:rPr lang="en-US" altLang="zh-CN" dirty="0"/>
-              <a:t>B </a:t>
-            </a:r>
-            <a:r>
-              <a:rPr lang="zh-CN" altLang="en-US" dirty="0"/>
-              <a:t>队列删掉了进程 </a:t>
-            </a:r>
-            <a:r>
-              <a:rPr lang="en-US" altLang="zh-CN" dirty="0"/>
-              <a:t>x</a:t>
+              <a:rPr lang="zh-CN" altLang="en-US" dirty="0"/>
+              <a:t>已尝试提交 </a:t>
+            </a:r>
+            <a:r>
+              <a:rPr lang="en-US" altLang="zh-CN" dirty="0"/>
+              <a:t>pr</a:t>
+            </a:r>
+            <a:r>
+              <a:rPr lang="zh-CN" altLang="en-US" dirty="0"/>
+              <a:t>，目前正在修一些 </a:t>
+            </a:r>
+            <a:r>
+              <a:rPr lang="en-US" altLang="zh-CN" dirty="0"/>
+              <a:t>ci</a:t>
             </a:r>
             <a:r>
               <a:rPr lang="zh-CN" altLang="en-US" dirty="0"/>
               <a:t>。</a:t>
             </a:r>
-            <a:endParaRPr lang="en-US" altLang="zh-CN" dirty="0"/>
-          </a:p>
-          <a:p>
-            <a:r>
-              <a:rPr lang="zh-CN" altLang="en-US" dirty="0"/>
-              <a:t>目前的解决方式：加锁，在进入退出队列到被 </a:t>
-            </a:r>
-            <a:r>
-              <a:rPr lang="en-US" altLang="zh-CN" dirty="0"/>
-              <a:t>switch </a:t>
-            </a:r>
-            <a:r>
-              <a:rPr lang="zh-CN" altLang="en-US" dirty="0"/>
-              <a:t>之间持有锁，</a:t>
-            </a:r>
-            <a:r>
-              <a:rPr lang="en-US" altLang="zh-CN" dirty="0" err="1"/>
-              <a:t>gc_entry</a:t>
-            </a:r>
-            <a:r>
-              <a:rPr lang="en-US" altLang="zh-CN" dirty="0"/>
-              <a:t> </a:t>
-            </a:r>
-            <a:r>
-              <a:rPr lang="zh-CN" altLang="en-US" dirty="0"/>
-              <a:t>需要获取这个锁才允许运行。问题得到解决。</a:t>
-            </a:r>
-            <a:endParaRPr lang="en-US" altLang="zh-CN" dirty="0"/>
+            <a:endParaRPr lang="en-US" altLang="zh-CN"/>
+          </a:p>
+          <a:p>
+            <a:endParaRPr lang="zh-CN" altLang="en-US"/>
           </a:p>
         </p:txBody>
       </p:sp>
     </p:spTree>
     <p:extLst>
       <p:ext uri="{BB962C8B-B14F-4D97-AF65-F5344CB8AC3E}">
-        <p14:creationId xmlns:p14="http://schemas.microsoft.com/office/powerpoint/2010/main" val="1251590392"/>
+        <p14:creationId xmlns:p14="http://schemas.microsoft.com/office/powerpoint/2010/main" val="3269948890"/>
       </p:ext>
     </p:extLst>
   </p:cSld>
